--- a/src/main/webapp/WEB-INF/Files/2023-02/20/summary2023-02-20.pptx
+++ b/src/main/webapp/WEB-INF/Files/2023-02/20/summary2023-02-20.pptx
@@ -7,7 +7,7 @@
   <p:sldIdLst>
     <p:sldId id="2561" r:id="rId1"/>
   </p:sldIdLst>
-  <p:sldSz cx="10160000" cy="7556500" type="custom"/>
+  <p:sldSz cx="9906000" cy="7556500" type="custom"/>
   <p:notesSz cx="6858000" cy="9144000"/>
   <p:embeddedFontLst>
 </p:embeddedFontLst>
@@ -84,7 +84,7 @@
       </p:grpSpPr>
       <p:sp>
         <p:nvSpPr>
-          <p:cNvPr id="2007907443" name="Text">
+          <p:cNvPr id="1133402628" name="Text">
     </p:cNvPr>
           <p:cNvSpPr>
             <a:spLocks noGrp="1"/>
@@ -130,16 +130,16 @@
       </p:sp>
       <p:sp>
         <p:nvSpPr>
-          <p:cNvPr id="1473181407" name="Text">
-    </p:cNvPr>
-          <p:cNvSpPr>
-            <a:spLocks noGrp="1"/>
-          </p:cNvSpPr>
-          <p:nvPr/>
-        </p:nvSpPr>
-        <p:spPr>
-          <a:xfrm rot="0">
-            <a:off x="9017000" y="292100"/>
+          <p:cNvPr id="2104013402" name="Text">
+    </p:cNvPr>
+          <p:cNvSpPr>
+            <a:spLocks noGrp="1"/>
+          </p:cNvSpPr>
+          <p:nvPr/>
+        </p:nvSpPr>
+        <p:spPr>
+          <a:xfrm rot="0">
+            <a:off x="8636000" y="165100"/>
             <a:ext cx="762000" cy="508000"/>
           </a:xfrm>
           <a:prstGeom prst="rect">
@@ -154,17 +154,17 @@
               <a:lnSpc>
                 <a:spcPct val="100%"/>
               </a:lnSpc>
-              <a:defRPr sz="800">
-                <a:solidFill>
-                  <a:srgbClr val="000000"/>
-                </a:solidFill>
-                <a:latin typeface="맑은 고딕"/>
-                <a:ea typeface="맑은 고딕"/>
-                <a:cs typeface="맑은 고딕"/>
-              </a:defRPr>
-            </a:pPr>
-            <a:r>
-              <a:rPr lang="ko" sz="800">
+              <a:defRPr sz="980">
+                <a:solidFill>
+                  <a:srgbClr val="000000"/>
+                </a:solidFill>
+                <a:latin typeface="맑은 고딕"/>
+                <a:ea typeface="맑은 고딕"/>
+                <a:cs typeface="맑은 고딕"/>
+              </a:defRPr>
+            </a:pPr>
+            <a:r>
+              <a:rPr lang="ko" sz="980">
                 <a:latin typeface="맑은 고딕"/>
                 <a:ea typeface="맑은 고딕"/>
                 <a:cs typeface="맑은 고딕"/>
@@ -173,7 +173,7 @@
             </a:r>
             <a:br/>
             <a:r>
-              <a:rPr lang="ko" sz="800">
+              <a:rPr lang="ko" sz="980">
                 <a:latin typeface="맑은 고딕"/>
                 <a:ea typeface="맑은 고딕"/>
                 <a:cs typeface="맑은 고딕"/>
@@ -182,7 +182,7 @@
             </a:r>
             <a:br/>
             <a:r>
-              <a:rPr lang="ko" sz="800">
+              <a:rPr lang="ko" sz="980">
                 <a:latin typeface="맑은 고딕"/>
                 <a:ea typeface="맑은 고딕"/>
                 <a:cs typeface="맑은 고딕"/>
@@ -194,7 +194,7 @@
       </p:sp>
       <p:sp>
         <p:nvSpPr>
-          <p:cNvPr id="946561137" name="Rectangle"/>
+          <p:cNvPr id="192629230" name="Rectangle"/>
           <p:cNvSpPr>
             <a:spLocks noGrp="1"/>
           </p:cNvSpPr>
@@ -202,8 +202,8 @@
         </p:nvSpPr>
         <p:spPr>
           <a:xfrm>
-            <a:off x="8636000" y="266700"/>
-            <a:ext cx="266700" cy="139700"/>
+            <a:off x="8255000" y="139700"/>
+            <a:ext cx="355600" cy="177800"/>
           </a:xfrm>
           <a:prstGeom prst="rect">
             <a:avLst/>
@@ -228,7 +228,7 @@
       </p:sp>
       <p:sp>
         <p:nvSpPr>
-          <p:cNvPr id="167958909" name="Rectangle"/>
+          <p:cNvPr id="1472409415" name="Rectangle"/>
           <p:cNvSpPr>
             <a:spLocks noGrp="1"/>
           </p:cNvSpPr>
@@ -236,8 +236,8 @@
         </p:nvSpPr>
         <p:spPr>
           <a:xfrm>
-            <a:off x="8636000" y="419100"/>
-            <a:ext cx="266700" cy="139700"/>
+            <a:off x="8255000" y="292100"/>
+            <a:ext cx="355600" cy="177800"/>
           </a:xfrm>
           <a:prstGeom prst="rect">
             <a:avLst/>
@@ -262,7 +262,7 @@
       </p:sp>
       <p:sp>
         <p:nvSpPr>
-          <p:cNvPr id="752316340" name="Rectangle"/>
+          <p:cNvPr id="1722552769" name="Rectangle"/>
           <p:cNvSpPr>
             <a:spLocks noGrp="1"/>
           </p:cNvSpPr>
@@ -270,8 +270,8 @@
         </p:nvSpPr>
         <p:spPr>
           <a:xfrm>
-            <a:off x="8636000" y="571500"/>
-            <a:ext cx="266700" cy="139700"/>
+            <a:off x="8255000" y="495300"/>
+            <a:ext cx="355600" cy="177800"/>
           </a:xfrm>
           <a:prstGeom prst="rect">
             <a:avLst/>
@@ -296,16 +296,16 @@
       </p:sp>
       <p:sp>
         <p:nvSpPr>
-          <p:cNvPr id="210705663" name="Text">
-    </p:cNvPr>
-          <p:cNvSpPr>
-            <a:spLocks noGrp="1"/>
-          </p:cNvSpPr>
-          <p:nvPr/>
-        </p:nvSpPr>
-        <p:spPr>
-          <a:xfrm rot="0">
-            <a:off x="190500" y="3213100"/>
+          <p:cNvPr id="1592694060" name="Text">
+    </p:cNvPr>
+          <p:cNvSpPr>
+            <a:spLocks noGrp="1"/>
+          </p:cNvSpPr>
+          <p:nvPr/>
+        </p:nvSpPr>
+        <p:spPr>
+          <a:xfrm rot="0">
+            <a:off x="190500" y="3263900"/>
             <a:ext cx="2108200" cy="215900"/>
           </a:xfrm>
           <a:prstGeom prst="rect">
@@ -345,16 +345,16 @@
       </p:sp>
       <p:sp>
         <p:nvSpPr>
-          <p:cNvPr id="1862573559" name="Text">
-    </p:cNvPr>
-          <p:cNvSpPr>
-            <a:spLocks noGrp="1"/>
-          </p:cNvSpPr>
-          <p:nvPr/>
-        </p:nvSpPr>
-        <p:spPr>
-          <a:xfrm rot="0">
-            <a:off x="190500" y="863600"/>
+          <p:cNvPr id="260805414" name="Text">
+    </p:cNvPr>
+          <p:cNvSpPr>
+            <a:spLocks noGrp="1"/>
+          </p:cNvSpPr>
+          <p:nvPr/>
+        </p:nvSpPr>
+        <p:spPr>
+          <a:xfrm rot="0">
+            <a:off x="190500" y="914400"/>
             <a:ext cx="2108200" cy="215900"/>
           </a:xfrm>
           <a:prstGeom prst="rect">
@@ -394,16 +394,16 @@
       </p:sp>
       <p:sp>
         <p:nvSpPr>
-          <p:cNvPr id="1934719067" name="Text">
-    </p:cNvPr>
-          <p:cNvSpPr>
-            <a:spLocks noGrp="1"/>
-          </p:cNvSpPr>
-          <p:nvPr/>
-        </p:nvSpPr>
-        <p:spPr>
-          <a:xfrm rot="0">
-            <a:off x="6489700" y="3860800"/>
+          <p:cNvPr id="1107049607" name="Text">
+    </p:cNvPr>
+          <p:cNvSpPr>
+            <a:spLocks noGrp="1"/>
+          </p:cNvSpPr>
+          <p:nvPr/>
+        </p:nvSpPr>
+        <p:spPr>
+          <a:xfrm rot="0">
+            <a:off x="6261100" y="3911600"/>
             <a:ext cx="3505200" cy="711200"/>
           </a:xfrm>
           <a:prstGeom prst="rect">
@@ -432,17 +432,17 @@
       </p:sp>
       <p:sp>
         <p:nvSpPr>
-          <p:cNvPr id="1684804426" name="Text">
-    </p:cNvPr>
-          <p:cNvSpPr>
-            <a:spLocks noGrp="1"/>
-          </p:cNvSpPr>
-          <p:nvPr/>
-        </p:nvSpPr>
-        <p:spPr>
-          <a:xfrm rot="0">
-            <a:off x="5549900" y="3860800"/>
-            <a:ext cx="800100" cy="749300"/>
+          <p:cNvPr id="1196957536" name="Text">
+    </p:cNvPr>
+          <p:cNvSpPr>
+            <a:spLocks noGrp="1"/>
+          </p:cNvSpPr>
+          <p:nvPr/>
+        </p:nvSpPr>
+        <p:spPr>
+          <a:xfrm rot="0">
+            <a:off x="5549900" y="3911600"/>
+            <a:ext cx="571500" cy="749300"/>
           </a:xfrm>
           <a:prstGeom prst="rect">
             <a:avLst/>
@@ -506,16 +506,16 @@
       </p:sp>
       <p:sp>
         <p:nvSpPr>
-          <p:cNvPr id="275809244" name="Text">
-    </p:cNvPr>
-          <p:cNvSpPr>
-            <a:spLocks noGrp="1"/>
-          </p:cNvSpPr>
-          <p:nvPr/>
-        </p:nvSpPr>
-        <p:spPr>
-          <a:xfrm rot="0">
-            <a:off x="1028700" y="3860800"/>
+          <p:cNvPr id="1832232274" name="Text">
+    </p:cNvPr>
+          <p:cNvSpPr>
+            <a:spLocks noGrp="1"/>
+          </p:cNvSpPr>
+          <p:nvPr/>
+        </p:nvSpPr>
+        <p:spPr>
+          <a:xfrm rot="0">
+            <a:off x="1028700" y="3911600"/>
             <a:ext cx="4521200" cy="749300"/>
           </a:xfrm>
           <a:prstGeom prst="rect">
@@ -588,16 +588,16 @@
       </p:sp>
       <p:sp>
         <p:nvSpPr>
-          <p:cNvPr id="1531993856" name="Text">
-    </p:cNvPr>
-          <p:cNvSpPr>
-            <a:spLocks noGrp="1"/>
-          </p:cNvSpPr>
-          <p:nvPr/>
-        </p:nvSpPr>
-        <p:spPr>
-          <a:xfrm rot="0">
-            <a:off x="165100" y="3771900"/>
+          <p:cNvPr id="1047796081" name="Text">
+    </p:cNvPr>
+          <p:cNvSpPr>
+            <a:spLocks noGrp="1"/>
+          </p:cNvSpPr>
+          <p:nvPr/>
+        </p:nvSpPr>
+        <p:spPr>
+          <a:xfrm rot="0">
+            <a:off x="165100" y="3822700"/>
             <a:ext cx="736600" cy="800100"/>
           </a:xfrm>
           <a:prstGeom prst="rect">
@@ -640,16 +640,16 @@
       </p:sp>
       <p:sp>
         <p:nvSpPr>
-          <p:cNvPr id="859033513" name="Text">
-    </p:cNvPr>
-          <p:cNvSpPr>
-            <a:spLocks noGrp="1"/>
-          </p:cNvSpPr>
-          <p:nvPr/>
-        </p:nvSpPr>
-        <p:spPr>
-          <a:xfrm rot="0">
-            <a:off x="165100" y="838200"/>
+          <p:cNvPr id="508297788" name="Text">
+    </p:cNvPr>
+          <p:cNvSpPr>
+            <a:spLocks noGrp="1"/>
+          </p:cNvSpPr>
+          <p:nvPr/>
+        </p:nvSpPr>
+        <p:spPr>
+          <a:xfrm rot="0">
+            <a:off x="165100" y="889000"/>
             <a:ext cx="2108200" cy="215900"/>
           </a:xfrm>
           <a:prstGeom prst="rect">
@@ -689,16 +689,16 @@
       </p:sp>
       <p:sp>
         <p:nvSpPr>
-          <p:cNvPr id="1782726288" name="Text">
-    </p:cNvPr>
-          <p:cNvSpPr>
-            <a:spLocks noGrp="1"/>
-          </p:cNvSpPr>
-          <p:nvPr/>
-        </p:nvSpPr>
-        <p:spPr>
-          <a:xfrm rot="0">
-            <a:off x="177800" y="3175000"/>
+          <p:cNvPr id="426294666" name="Text">
+    </p:cNvPr>
+          <p:cNvSpPr>
+            <a:spLocks noGrp="1"/>
+          </p:cNvSpPr>
+          <p:nvPr/>
+        </p:nvSpPr>
+        <p:spPr>
+          <a:xfrm rot="0">
+            <a:off x="177800" y="3225800"/>
             <a:ext cx="2095500" cy="228600"/>
           </a:xfrm>
           <a:prstGeom prst="rect">
@@ -738,17 +738,17 @@
       </p:sp>
       <p:sp>
         <p:nvSpPr>
-          <p:cNvPr id="306039718" name="Text">
-    </p:cNvPr>
-          <p:cNvSpPr>
-            <a:spLocks noGrp="1"/>
-          </p:cNvSpPr>
-          <p:nvPr/>
-        </p:nvSpPr>
-        <p:spPr>
-          <a:xfrm rot="0">
-            <a:off x="152400" y="1092200"/>
-            <a:ext cx="749300" cy="393700"/>
+          <p:cNvPr id="1505199296" name="Text">
+    </p:cNvPr>
+          <p:cNvSpPr>
+            <a:spLocks noGrp="1"/>
+          </p:cNvSpPr>
+          <p:nvPr/>
+        </p:nvSpPr>
+        <p:spPr>
+          <a:xfrm rot="0">
+            <a:off x="152400" y="1143000"/>
+            <a:ext cx="736600" cy="393700"/>
           </a:xfrm>
           <a:prstGeom prst="rect">
             <a:avLst/>
@@ -793,16 +793,16 @@
       </p:sp>
       <p:sp>
         <p:nvSpPr>
-          <p:cNvPr id="2066389280" name="Text">
-    </p:cNvPr>
-          <p:cNvSpPr>
-            <a:spLocks noGrp="1"/>
-          </p:cNvSpPr>
-          <p:nvPr/>
-        </p:nvSpPr>
-        <p:spPr>
-          <a:xfrm rot="0">
-            <a:off x="901700" y="1092200"/>
+          <p:cNvPr id="1201053974" name="Text">
+    </p:cNvPr>
+          <p:cNvSpPr>
+            <a:spLocks noGrp="1"/>
+          </p:cNvSpPr>
+          <p:nvPr/>
+        </p:nvSpPr>
+        <p:spPr>
+          <a:xfrm rot="0">
+            <a:off x="889000" y="1143000"/>
             <a:ext cx="4648200" cy="393700"/>
           </a:xfrm>
           <a:prstGeom prst="rect">
@@ -848,16 +848,16 @@
       </p:sp>
       <p:sp>
         <p:nvSpPr>
-          <p:cNvPr id="1456033643" name="Text">
-    </p:cNvPr>
-          <p:cNvSpPr>
-            <a:spLocks noGrp="1"/>
-          </p:cNvSpPr>
-          <p:nvPr/>
-        </p:nvSpPr>
-        <p:spPr>
-          <a:xfrm rot="0">
-            <a:off x="6324600" y="1092200"/>
+          <p:cNvPr id="968164922" name="Text">
+    </p:cNvPr>
+          <p:cNvSpPr>
+            <a:spLocks noGrp="1"/>
+          </p:cNvSpPr>
+          <p:nvPr/>
+        </p:nvSpPr>
+        <p:spPr>
+          <a:xfrm rot="0">
+            <a:off x="6108700" y="1143000"/>
             <a:ext cx="762000" cy="393700"/>
           </a:xfrm>
           <a:prstGeom prst="rect">
@@ -903,16 +903,16 @@
       </p:sp>
       <p:sp>
         <p:nvSpPr>
-          <p:cNvPr id="763645340" name="Text">
-    </p:cNvPr>
-          <p:cNvSpPr>
-            <a:spLocks noGrp="1"/>
-          </p:cNvSpPr>
-          <p:nvPr/>
-        </p:nvSpPr>
-        <p:spPr>
-          <a:xfrm rot="0">
-            <a:off x="7086600" y="1092200"/>
+          <p:cNvPr id="1710061675" name="Text">
+    </p:cNvPr>
+          <p:cNvSpPr>
+            <a:spLocks noGrp="1"/>
+          </p:cNvSpPr>
+          <p:nvPr/>
+        </p:nvSpPr>
+        <p:spPr>
+          <a:xfrm rot="0">
+            <a:off x="6870700" y="1143000"/>
             <a:ext cx="254000" cy="393700"/>
           </a:xfrm>
           <a:prstGeom prst="rect">
@@ -967,16 +967,16 @@
       </p:sp>
       <p:sp>
         <p:nvSpPr>
-          <p:cNvPr id="1368966001" name="Text">
-    </p:cNvPr>
-          <p:cNvSpPr>
-            <a:spLocks noGrp="1"/>
-          </p:cNvSpPr>
-          <p:nvPr/>
-        </p:nvSpPr>
-        <p:spPr>
-          <a:xfrm rot="0">
-            <a:off x="165100" y="3429000"/>
+          <p:cNvPr id="10051986" name="Text">
+    </p:cNvPr>
+          <p:cNvSpPr>
+            <a:spLocks noGrp="1"/>
+          </p:cNvSpPr>
+          <p:nvPr/>
+        </p:nvSpPr>
+        <p:spPr>
+          <a:xfrm rot="0">
+            <a:off x="165100" y="3479800"/>
             <a:ext cx="736600" cy="342900"/>
           </a:xfrm>
           <a:prstGeom prst="rect">
@@ -1022,16 +1022,16 @@
       </p:sp>
       <p:sp>
         <p:nvSpPr>
-          <p:cNvPr id="2127864827" name="Text">
-    </p:cNvPr>
-          <p:cNvSpPr>
-            <a:spLocks noGrp="1"/>
-          </p:cNvSpPr>
-          <p:nvPr/>
-        </p:nvSpPr>
-        <p:spPr>
-          <a:xfrm rot="0">
-            <a:off x="901700" y="3429000"/>
+          <p:cNvPr id="1920335494" name="Text">
+    </p:cNvPr>
+          <p:cNvSpPr>
+            <a:spLocks noGrp="1"/>
+          </p:cNvSpPr>
+          <p:nvPr/>
+        </p:nvSpPr>
+        <p:spPr>
+          <a:xfrm rot="0">
+            <a:off x="901700" y="3479800"/>
             <a:ext cx="4648200" cy="342900"/>
           </a:xfrm>
           <a:prstGeom prst="rect">
@@ -1077,17 +1077,17 @@
       </p:sp>
       <p:sp>
         <p:nvSpPr>
-          <p:cNvPr id="1652164957" name="Text">
-    </p:cNvPr>
-          <p:cNvSpPr>
-            <a:spLocks noGrp="1"/>
-          </p:cNvSpPr>
-          <p:nvPr/>
-        </p:nvSpPr>
-        <p:spPr>
-          <a:xfrm rot="0">
-            <a:off x="5549900" y="3429000"/>
-            <a:ext cx="800100" cy="342900"/>
+          <p:cNvPr id="1675670052" name="Text">
+    </p:cNvPr>
+          <p:cNvSpPr>
+            <a:spLocks noGrp="1"/>
+          </p:cNvSpPr>
+          <p:nvPr/>
+        </p:nvSpPr>
+        <p:spPr>
+          <a:xfrm rot="0">
+            <a:off x="5549900" y="3479800"/>
+            <a:ext cx="571500" cy="342900"/>
           </a:xfrm>
           <a:prstGeom prst="rect">
             <a:avLst/>
@@ -1132,16 +1132,16 @@
       </p:sp>
       <p:sp>
         <p:nvSpPr>
-          <p:cNvPr id="1830633507" name="Text">
-    </p:cNvPr>
-          <p:cNvSpPr>
-            <a:spLocks noGrp="1"/>
-          </p:cNvSpPr>
-          <p:nvPr/>
-        </p:nvSpPr>
-        <p:spPr>
-          <a:xfrm rot="0">
-            <a:off x="7340600" y="1092200"/>
+          <p:cNvPr id="1841340435" name="Text">
+    </p:cNvPr>
+          <p:cNvSpPr>
+            <a:spLocks noGrp="1"/>
+          </p:cNvSpPr>
+          <p:nvPr/>
+        </p:nvSpPr>
+        <p:spPr>
+          <a:xfrm rot="0">
+            <a:off x="7124700" y="1143000"/>
             <a:ext cx="2654300" cy="393700"/>
           </a:xfrm>
           <a:prstGeom prst="rect">
@@ -1187,16 +1187,16 @@
       </p:sp>
       <p:sp>
         <p:nvSpPr>
-          <p:cNvPr id="2055837114" name="Text">
-    </p:cNvPr>
-          <p:cNvSpPr>
-            <a:spLocks noGrp="1"/>
-          </p:cNvSpPr>
-          <p:nvPr/>
-        </p:nvSpPr>
-        <p:spPr>
-          <a:xfrm rot="0">
-            <a:off x="6350000" y="3429000"/>
+          <p:cNvPr id="639556040" name="Text">
+    </p:cNvPr>
+          <p:cNvSpPr>
+            <a:spLocks noGrp="1"/>
+          </p:cNvSpPr>
+          <p:nvPr/>
+        </p:nvSpPr>
+        <p:spPr>
+          <a:xfrm rot="0">
+            <a:off x="6121400" y="3479800"/>
             <a:ext cx="3644900" cy="342900"/>
           </a:xfrm>
           <a:prstGeom prst="rect">
@@ -1242,17 +1242,17 @@
       </p:sp>
       <p:sp>
         <p:nvSpPr>
-          <p:cNvPr id="563690091" name="Text">
-    </p:cNvPr>
-          <p:cNvSpPr>
-            <a:spLocks noGrp="1"/>
-          </p:cNvSpPr>
-          <p:nvPr/>
-        </p:nvSpPr>
-        <p:spPr>
-          <a:xfrm rot="0">
-            <a:off x="5549900" y="1092200"/>
-            <a:ext cx="774700" cy="393700"/>
+          <p:cNvPr id="2076344899" name="Text">
+    </p:cNvPr>
+          <p:cNvSpPr>
+            <a:spLocks noGrp="1"/>
+          </p:cNvSpPr>
+          <p:nvPr/>
+        </p:nvSpPr>
+        <p:spPr>
+          <a:xfrm rot="0">
+            <a:off x="5537200" y="1143000"/>
+            <a:ext cx="571500" cy="393700"/>
           </a:xfrm>
           <a:prstGeom prst="rect">
             <a:avLst/>
@@ -1297,16 +1297,16 @@
       </p:sp>
       <p:sp>
         <p:nvSpPr>
-          <p:cNvPr id="320597988" name="Text">
-    </p:cNvPr>
-          <p:cNvSpPr>
-            <a:spLocks noGrp="1"/>
-          </p:cNvSpPr>
-          <p:nvPr/>
-        </p:nvSpPr>
-        <p:spPr>
-          <a:xfrm rot="0">
-            <a:off x="6489700" y="4673600"/>
+          <p:cNvPr id="492142221" name="Text">
+    </p:cNvPr>
+          <p:cNvSpPr>
+            <a:spLocks noGrp="1"/>
+          </p:cNvSpPr>
+          <p:nvPr/>
+        </p:nvSpPr>
+        <p:spPr>
+          <a:xfrm rot="0">
+            <a:off x="6261100" y="4724400"/>
             <a:ext cx="3505200" cy="698500"/>
           </a:xfrm>
           <a:prstGeom prst="rect">
@@ -1335,17 +1335,17 @@
       </p:sp>
       <p:sp>
         <p:nvSpPr>
-          <p:cNvPr id="335591932" name="Text">
-    </p:cNvPr>
-          <p:cNvSpPr>
-            <a:spLocks noGrp="1"/>
-          </p:cNvSpPr>
-          <p:nvPr/>
-        </p:nvSpPr>
-        <p:spPr>
-          <a:xfrm rot="0">
-            <a:off x="5549900" y="4673600"/>
-            <a:ext cx="800100" cy="698500"/>
+          <p:cNvPr id="1971160332" name="Text">
+    </p:cNvPr>
+          <p:cNvSpPr>
+            <a:spLocks noGrp="1"/>
+          </p:cNvSpPr>
+          <p:nvPr/>
+        </p:nvSpPr>
+        <p:spPr>
+          <a:xfrm rot="0">
+            <a:off x="5549900" y="4724400"/>
+            <a:ext cx="571500" cy="698500"/>
           </a:xfrm>
           <a:prstGeom prst="rect">
             <a:avLst/>
@@ -1408,16 +1408,16 @@
       </p:sp>
       <p:sp>
         <p:nvSpPr>
-          <p:cNvPr id="580045443" name="Text">
-    </p:cNvPr>
-          <p:cNvSpPr>
-            <a:spLocks noGrp="1"/>
-          </p:cNvSpPr>
-          <p:nvPr/>
-        </p:nvSpPr>
-        <p:spPr>
-          <a:xfrm rot="0">
-            <a:off x="1028700" y="4673600"/>
+          <p:cNvPr id="637391602" name="Text">
+    </p:cNvPr>
+          <p:cNvSpPr>
+            <a:spLocks noGrp="1"/>
+          </p:cNvSpPr>
+          <p:nvPr/>
+        </p:nvSpPr>
+        <p:spPr>
+          <a:xfrm rot="0">
+            <a:off x="1028700" y="4724400"/>
             <a:ext cx="4521200" cy="698500"/>
           </a:xfrm>
           <a:prstGeom prst="rect">
@@ -1481,16 +1481,16 @@
       </p:sp>
       <p:sp>
         <p:nvSpPr>
-          <p:cNvPr id="1244718808" name="Text">
-    </p:cNvPr>
-          <p:cNvSpPr>
-            <a:spLocks noGrp="1"/>
-          </p:cNvSpPr>
-          <p:nvPr/>
-        </p:nvSpPr>
-        <p:spPr>
-          <a:xfrm rot="0">
-            <a:off x="165100" y="4572000"/>
+          <p:cNvPr id="1254263956" name="Text">
+    </p:cNvPr>
+          <p:cNvSpPr>
+            <a:spLocks noGrp="1"/>
+          </p:cNvSpPr>
+          <p:nvPr/>
+        </p:nvSpPr>
+        <p:spPr>
+          <a:xfrm rot="0">
+            <a:off x="165100" y="4622800"/>
             <a:ext cx="736600" cy="800100"/>
           </a:xfrm>
           <a:prstGeom prst="rect">
@@ -1533,7 +1533,7 @@
       </p:sp>
       <p:sp>
         <p:nvSpPr>
-          <p:cNvPr id="102257845" name="Rectangle"/>
+          <p:cNvPr id="2094346839" name="Rectangle"/>
           <p:cNvSpPr>
             <a:spLocks noGrp="1"/>
           </p:cNvSpPr>
@@ -1541,7 +1541,7 @@
         </p:nvSpPr>
         <p:spPr>
           <a:xfrm>
-            <a:off x="7086600" y="1485900"/>
+            <a:off x="6870700" y="1536700"/>
             <a:ext cx="254000" cy="787400"/>
           </a:xfrm>
           <a:prstGeom prst="rect">
@@ -1567,16 +1567,16 @@
       </p:sp>
       <p:sp>
         <p:nvSpPr>
-          <p:cNvPr id="390517459" name="Text">
-    </p:cNvPr>
-          <p:cNvSpPr>
-            <a:spLocks noGrp="1"/>
-          </p:cNvSpPr>
-          <p:nvPr/>
-        </p:nvSpPr>
-        <p:spPr>
-          <a:xfrm rot="0">
-            <a:off x="177800" y="5473700"/>
+          <p:cNvPr id="1704566052" name="Text">
+    </p:cNvPr>
+          <p:cNvSpPr>
+            <a:spLocks noGrp="1"/>
+          </p:cNvSpPr>
+          <p:nvPr/>
+        </p:nvSpPr>
+        <p:spPr>
+          <a:xfrm rot="0">
+            <a:off x="177800" y="5524500"/>
             <a:ext cx="2476500" cy="228600"/>
           </a:xfrm>
           <a:prstGeom prst="rect">
@@ -1616,16 +1616,16 @@
       </p:sp>
       <p:sp>
         <p:nvSpPr>
-          <p:cNvPr id="590660714" name="Text">
-    </p:cNvPr>
-          <p:cNvSpPr>
-            <a:spLocks noGrp="1"/>
-          </p:cNvSpPr>
-          <p:nvPr/>
-        </p:nvSpPr>
-        <p:spPr>
-          <a:xfrm rot="0">
-            <a:off x="6604000" y="6007100"/>
+          <p:cNvPr id="783853863" name="Text">
+    </p:cNvPr>
+          <p:cNvSpPr>
+            <a:spLocks noGrp="1"/>
+          </p:cNvSpPr>
+          <p:nvPr/>
+        </p:nvSpPr>
+        <p:spPr>
+          <a:xfrm rot="0">
+            <a:off x="6477000" y="6057900"/>
             <a:ext cx="1651000" cy="292100"/>
           </a:xfrm>
           <a:prstGeom prst="rect">
@@ -1668,16 +1668,16 @@
       </p:sp>
       <p:sp>
         <p:nvSpPr>
-          <p:cNvPr id="1853878514" name="Text">
-    </p:cNvPr>
-          <p:cNvSpPr>
-            <a:spLocks noGrp="1"/>
-          </p:cNvSpPr>
-          <p:nvPr/>
-        </p:nvSpPr>
-        <p:spPr>
-          <a:xfrm rot="0">
-            <a:off x="2209800" y="6007100"/>
+          <p:cNvPr id="1883256392" name="Text">
+    </p:cNvPr>
+          <p:cNvSpPr>
+            <a:spLocks noGrp="1"/>
+          </p:cNvSpPr>
+          <p:nvPr/>
+        </p:nvSpPr>
+        <p:spPr>
+          <a:xfrm rot="0">
+            <a:off x="2082800" y="6057900"/>
             <a:ext cx="4394200" cy="292100"/>
           </a:xfrm>
           <a:prstGeom prst="rect">
@@ -1720,17 +1720,17 @@
       </p:sp>
       <p:sp>
         <p:nvSpPr>
-          <p:cNvPr id="713469044" name="Text">
-    </p:cNvPr>
-          <p:cNvSpPr>
-            <a:spLocks noGrp="1"/>
-          </p:cNvSpPr>
-          <p:nvPr/>
-        </p:nvSpPr>
-        <p:spPr>
-          <a:xfrm rot="0">
-            <a:off x="127000" y="6007100"/>
-            <a:ext cx="1270000" cy="292100"/>
+          <p:cNvPr id="626189725" name="Text">
+    </p:cNvPr>
+          <p:cNvSpPr>
+            <a:spLocks noGrp="1"/>
+          </p:cNvSpPr>
+          <p:nvPr/>
+        </p:nvSpPr>
+        <p:spPr>
+          <a:xfrm rot="0">
+            <a:off x="127000" y="6057900"/>
+            <a:ext cx="1143000" cy="292100"/>
           </a:xfrm>
           <a:prstGeom prst="rect">
             <a:avLst/>
@@ -1772,17 +1772,17 @@
       </p:sp>
       <p:sp>
         <p:nvSpPr>
-          <p:cNvPr id="192357309" name="Text">
-    </p:cNvPr>
-          <p:cNvSpPr>
-            <a:spLocks noGrp="1"/>
-          </p:cNvSpPr>
-          <p:nvPr/>
-        </p:nvSpPr>
-        <p:spPr>
-          <a:xfrm rot="0">
-            <a:off x="127000" y="5765800"/>
-            <a:ext cx="1270000" cy="241300"/>
+          <p:cNvPr id="202063022" name="Text">
+    </p:cNvPr>
+          <p:cNvSpPr>
+            <a:spLocks noGrp="1"/>
+          </p:cNvSpPr>
+          <p:nvPr/>
+        </p:nvSpPr>
+        <p:spPr>
+          <a:xfrm rot="0">
+            <a:off x="127000" y="5816600"/>
+            <a:ext cx="1143000" cy="241300"/>
           </a:xfrm>
           <a:prstGeom prst="rect">
             <a:avLst/>
@@ -1827,16 +1827,16 @@
       </p:sp>
       <p:sp>
         <p:nvSpPr>
-          <p:cNvPr id="241545517" name="Text">
-    </p:cNvPr>
-          <p:cNvSpPr>
-            <a:spLocks noGrp="1"/>
-          </p:cNvSpPr>
-          <p:nvPr/>
-        </p:nvSpPr>
-        <p:spPr>
-          <a:xfrm rot="0">
-            <a:off x="2209800" y="5765800"/>
+          <p:cNvPr id="1737575833" name="Text">
+    </p:cNvPr>
+          <p:cNvSpPr>
+            <a:spLocks noGrp="1"/>
+          </p:cNvSpPr>
+          <p:nvPr/>
+        </p:nvSpPr>
+        <p:spPr>
+          <a:xfrm rot="0">
+            <a:off x="2082800" y="5816600"/>
             <a:ext cx="4394200" cy="241300"/>
           </a:xfrm>
           <a:prstGeom prst="rect">
@@ -1882,16 +1882,16 @@
       </p:sp>
       <p:sp>
         <p:nvSpPr>
-          <p:cNvPr id="529283187" name="Text">
-    </p:cNvPr>
-          <p:cNvSpPr>
-            <a:spLocks noGrp="1"/>
-          </p:cNvSpPr>
-          <p:nvPr/>
-        </p:nvSpPr>
-        <p:spPr>
-          <a:xfrm rot="0">
-            <a:off x="6604000" y="5765800"/>
+          <p:cNvPr id="378721621" name="Text">
+    </p:cNvPr>
+          <p:cNvSpPr>
+            <a:spLocks noGrp="1"/>
+          </p:cNvSpPr>
+          <p:nvPr/>
+        </p:nvSpPr>
+        <p:spPr>
+          <a:xfrm rot="0">
+            <a:off x="6477000" y="5816600"/>
             <a:ext cx="1651000" cy="241300"/>
           </a:xfrm>
           <a:prstGeom prst="rect">
@@ -1937,17 +1937,17 @@
       </p:sp>
       <p:sp>
         <p:nvSpPr>
-          <p:cNvPr id="16171770" name="Text">
-    </p:cNvPr>
-          <p:cNvSpPr>
-            <a:spLocks noGrp="1"/>
-          </p:cNvSpPr>
-          <p:nvPr/>
-        </p:nvSpPr>
-        <p:spPr>
-          <a:xfrm rot="0">
-            <a:off x="127000" y="6299200"/>
-            <a:ext cx="1270000" cy="292100"/>
+          <p:cNvPr id="618570775" name="Text">
+    </p:cNvPr>
+          <p:cNvSpPr>
+            <a:spLocks noGrp="1"/>
+          </p:cNvSpPr>
+          <p:nvPr/>
+        </p:nvSpPr>
+        <p:spPr>
+          <a:xfrm rot="0">
+            <a:off x="127000" y="6350000"/>
+            <a:ext cx="1143000" cy="292100"/>
           </a:xfrm>
           <a:prstGeom prst="rect">
             <a:avLst/>
@@ -1989,16 +1989,16 @@
       </p:sp>
       <p:sp>
         <p:nvSpPr>
-          <p:cNvPr id="850289554" name="Text">
-    </p:cNvPr>
-          <p:cNvSpPr>
-            <a:spLocks noGrp="1"/>
-          </p:cNvSpPr>
-          <p:nvPr/>
-        </p:nvSpPr>
-        <p:spPr>
-          <a:xfrm rot="0">
-            <a:off x="6604000" y="6299200"/>
+          <p:cNvPr id="1910833774" name="Text">
+    </p:cNvPr>
+          <p:cNvSpPr>
+            <a:spLocks noGrp="1"/>
+          </p:cNvSpPr>
+          <p:nvPr/>
+        </p:nvSpPr>
+        <p:spPr>
+          <a:xfrm rot="0">
+            <a:off x="6477000" y="6350000"/>
             <a:ext cx="1651000" cy="292100"/>
           </a:xfrm>
           <a:prstGeom prst="rect">
@@ -2041,16 +2041,16 @@
       </p:sp>
       <p:sp>
         <p:nvSpPr>
-          <p:cNvPr id="299978803" name="Text">
-    </p:cNvPr>
-          <p:cNvSpPr>
-            <a:spLocks noGrp="1"/>
-          </p:cNvSpPr>
-          <p:nvPr/>
-        </p:nvSpPr>
-        <p:spPr>
-          <a:xfrm rot="0">
-            <a:off x="2209800" y="6299200"/>
+          <p:cNvPr id="477455438" name="Text">
+    </p:cNvPr>
+          <p:cNvSpPr>
+            <a:spLocks noGrp="1"/>
+          </p:cNvSpPr>
+          <p:nvPr/>
+        </p:nvSpPr>
+        <p:spPr>
+          <a:xfrm rot="0">
+            <a:off x="2082800" y="6350000"/>
             <a:ext cx="4394200" cy="292100"/>
           </a:xfrm>
           <a:prstGeom prst="rect">
@@ -2093,16 +2093,16 @@
       </p:sp>
       <p:sp>
         <p:nvSpPr>
-          <p:cNvPr id="1867558364" name="Text">
-    </p:cNvPr>
-          <p:cNvSpPr>
-            <a:spLocks noGrp="1"/>
-          </p:cNvSpPr>
-          <p:nvPr/>
-        </p:nvSpPr>
-        <p:spPr>
-          <a:xfrm rot="0">
-            <a:off x="1397000" y="6299200"/>
+          <p:cNvPr id="483209960" name="Text">
+    </p:cNvPr>
+          <p:cNvSpPr>
+            <a:spLocks noGrp="1"/>
+          </p:cNvSpPr>
+          <p:nvPr/>
+        </p:nvSpPr>
+        <p:spPr>
+          <a:xfrm rot="0">
+            <a:off x="1270000" y="6350000"/>
             <a:ext cx="812800" cy="292100"/>
           </a:xfrm>
           <a:prstGeom prst="rect">
@@ -2145,16 +2145,16 @@
       </p:sp>
       <p:sp>
         <p:nvSpPr>
-          <p:cNvPr id="1493652446" name="Text">
-    </p:cNvPr>
-          <p:cNvSpPr>
-            <a:spLocks noGrp="1"/>
-          </p:cNvSpPr>
-          <p:nvPr/>
-        </p:nvSpPr>
-        <p:spPr>
-          <a:xfrm rot="0">
-            <a:off x="1397000" y="6007100"/>
+          <p:cNvPr id="1306710906" name="Text">
+    </p:cNvPr>
+          <p:cNvSpPr>
+            <a:spLocks noGrp="1"/>
+          </p:cNvSpPr>
+          <p:nvPr/>
+        </p:nvSpPr>
+        <p:spPr>
+          <a:xfrm rot="0">
+            <a:off x="1270000" y="6057900"/>
             <a:ext cx="812800" cy="292100"/>
           </a:xfrm>
           <a:prstGeom prst="rect">
@@ -2197,16 +2197,16 @@
       </p:sp>
       <p:sp>
         <p:nvSpPr>
-          <p:cNvPr id="418646431" name="Text">
-    </p:cNvPr>
-          <p:cNvSpPr>
-            <a:spLocks noGrp="1"/>
-          </p:cNvSpPr>
-          <p:nvPr/>
-        </p:nvSpPr>
-        <p:spPr>
-          <a:xfrm rot="0">
-            <a:off x="1397000" y="5765800"/>
+          <p:cNvPr id="348999386" name="Text">
+    </p:cNvPr>
+          <p:cNvSpPr>
+            <a:spLocks noGrp="1"/>
+          </p:cNvSpPr>
+          <p:nvPr/>
+        </p:nvSpPr>
+        <p:spPr>
+          <a:xfrm rot="0">
+            <a:off x="1270000" y="5816600"/>
             <a:ext cx="812800" cy="241300"/>
           </a:xfrm>
           <a:prstGeom prst="rect">
@@ -2252,16 +2252,16 @@
       </p:sp>
       <p:sp>
         <p:nvSpPr>
-          <p:cNvPr id="51360378" name="Text">
-    </p:cNvPr>
-          <p:cNvSpPr>
-            <a:spLocks noGrp="1"/>
-          </p:cNvSpPr>
-          <p:nvPr/>
-        </p:nvSpPr>
-        <p:spPr>
-          <a:xfrm rot="0">
-            <a:off x="8255000" y="6299200"/>
+          <p:cNvPr id="598544153" name="Text">
+    </p:cNvPr>
+          <p:cNvSpPr>
+            <a:spLocks noGrp="1"/>
+          </p:cNvSpPr>
+          <p:nvPr/>
+        </p:nvSpPr>
+        <p:spPr>
+          <a:xfrm rot="0">
+            <a:off x="8128000" y="6350000"/>
             <a:ext cx="1701800" cy="292100"/>
           </a:xfrm>
           <a:prstGeom prst="rect">
@@ -2304,16 +2304,16 @@
       </p:sp>
       <p:sp>
         <p:nvSpPr>
-          <p:cNvPr id="1776009610" name="Text">
-    </p:cNvPr>
-          <p:cNvSpPr>
-            <a:spLocks noGrp="1"/>
-          </p:cNvSpPr>
-          <p:nvPr/>
-        </p:nvSpPr>
-        <p:spPr>
-          <a:xfrm rot="0">
-            <a:off x="8255000" y="5765800"/>
+          <p:cNvPr id="1451369462" name="Text">
+    </p:cNvPr>
+          <p:cNvSpPr>
+            <a:spLocks noGrp="1"/>
+          </p:cNvSpPr>
+          <p:nvPr/>
+        </p:nvSpPr>
+        <p:spPr>
+          <a:xfrm rot="0">
+            <a:off x="8128000" y="5816600"/>
             <a:ext cx="1701800" cy="241300"/>
           </a:xfrm>
           <a:prstGeom prst="rect">
@@ -2359,16 +2359,16 @@
       </p:sp>
       <p:sp>
         <p:nvSpPr>
-          <p:cNvPr id="178382540" name="Text">
-    </p:cNvPr>
-          <p:cNvSpPr>
-            <a:spLocks noGrp="1"/>
-          </p:cNvSpPr>
-          <p:nvPr/>
-        </p:nvSpPr>
-        <p:spPr>
-          <a:xfrm rot="0">
-            <a:off x="8255000" y="6007100"/>
+          <p:cNvPr id="220222303" name="Text">
+    </p:cNvPr>
+          <p:cNvSpPr>
+            <a:spLocks noGrp="1"/>
+          </p:cNvSpPr>
+          <p:nvPr/>
+        </p:nvSpPr>
+        <p:spPr>
+          <a:xfrm rot="0">
+            <a:off x="8128000" y="6057900"/>
             <a:ext cx="1701800" cy="292100"/>
           </a:xfrm>
           <a:prstGeom prst="rect">
@@ -2411,16 +2411,16 @@
       </p:sp>
       <p:sp>
         <p:nvSpPr>
-          <p:cNvPr id="841068278" name="Text">
-    </p:cNvPr>
-          <p:cNvSpPr>
-            <a:spLocks noGrp="1"/>
-          </p:cNvSpPr>
-          <p:nvPr/>
-        </p:nvSpPr>
-        <p:spPr>
-          <a:xfrm rot="0">
-            <a:off x="901700" y="3771900"/>
+          <p:cNvPr id="1944414143" name="Text">
+    </p:cNvPr>
+          <p:cNvSpPr>
+            <a:spLocks noGrp="1"/>
+          </p:cNvSpPr>
+          <p:nvPr/>
+        </p:nvSpPr>
+        <p:spPr>
+          <a:xfrm rot="0">
+            <a:off x="901700" y="3822700"/>
             <a:ext cx="4648200" cy="800100"/>
           </a:xfrm>
           <a:prstGeom prst="rect">
@@ -2463,16 +2463,16 @@
       </p:sp>
       <p:sp>
         <p:nvSpPr>
-          <p:cNvPr id="1287870122" name="Text">
-    </p:cNvPr>
-          <p:cNvSpPr>
-            <a:spLocks noGrp="1"/>
-          </p:cNvSpPr>
-          <p:nvPr/>
-        </p:nvSpPr>
-        <p:spPr>
-          <a:xfrm rot="0">
-            <a:off x="901700" y="4572000"/>
+          <p:cNvPr id="947612445" name="Text">
+    </p:cNvPr>
+          <p:cNvSpPr>
+            <a:spLocks noGrp="1"/>
+          </p:cNvSpPr>
+          <p:nvPr/>
+        </p:nvSpPr>
+        <p:spPr>
+          <a:xfrm rot="0">
+            <a:off x="901700" y="4622800"/>
             <a:ext cx="4648200" cy="800100"/>
           </a:xfrm>
           <a:prstGeom prst="rect">
@@ -2515,16 +2515,16 @@
       </p:sp>
       <p:sp>
         <p:nvSpPr>
-          <p:cNvPr id="2065897769" name="Text">
-    </p:cNvPr>
-          <p:cNvSpPr>
-            <a:spLocks noGrp="1"/>
-          </p:cNvSpPr>
-          <p:nvPr/>
-        </p:nvSpPr>
-        <p:spPr>
-          <a:xfrm rot="0">
-            <a:off x="6350000" y="3771900"/>
+          <p:cNvPr id="2141287031" name="Text">
+    </p:cNvPr>
+          <p:cNvSpPr>
+            <a:spLocks noGrp="1"/>
+          </p:cNvSpPr>
+          <p:nvPr/>
+        </p:nvSpPr>
+        <p:spPr>
+          <a:xfrm rot="0">
+            <a:off x="6121400" y="3822700"/>
             <a:ext cx="3644900" cy="800100"/>
           </a:xfrm>
           <a:prstGeom prst="rect">
@@ -2567,16 +2567,16 @@
       </p:sp>
       <p:sp>
         <p:nvSpPr>
-          <p:cNvPr id="2125530887" name="Text">
-    </p:cNvPr>
-          <p:cNvSpPr>
-            <a:spLocks noGrp="1"/>
-          </p:cNvSpPr>
-          <p:nvPr/>
-        </p:nvSpPr>
-        <p:spPr>
-          <a:xfrm rot="0">
-            <a:off x="6350000" y="4572000"/>
+          <p:cNvPr id="1888779383" name="Text">
+    </p:cNvPr>
+          <p:cNvSpPr>
+            <a:spLocks noGrp="1"/>
+          </p:cNvSpPr>
+          <p:nvPr/>
+        </p:nvSpPr>
+        <p:spPr>
+          <a:xfrm rot="0">
+            <a:off x="6121400" y="4622800"/>
             <a:ext cx="3644900" cy="800100"/>
           </a:xfrm>
           <a:prstGeom prst="rect">
@@ -2619,17 +2619,17 @@
       </p:sp>
       <p:sp>
         <p:nvSpPr>
-          <p:cNvPr id="1104691257" name="Text">
-    </p:cNvPr>
-          <p:cNvSpPr>
-            <a:spLocks noGrp="1"/>
-          </p:cNvSpPr>
-          <p:nvPr/>
-        </p:nvSpPr>
-        <p:spPr>
-          <a:xfrm rot="0">
-            <a:off x="5549900" y="3771900"/>
-            <a:ext cx="800100" cy="800100"/>
+          <p:cNvPr id="680801605" name="Text">
+    </p:cNvPr>
+          <p:cNvSpPr>
+            <a:spLocks noGrp="1"/>
+          </p:cNvSpPr>
+          <p:nvPr/>
+        </p:nvSpPr>
+        <p:spPr>
+          <a:xfrm rot="0">
+            <a:off x="5549900" y="3822700"/>
+            <a:ext cx="571500" cy="800100"/>
           </a:xfrm>
           <a:prstGeom prst="rect">
             <a:avLst/>
@@ -2671,17 +2671,17 @@
       </p:sp>
       <p:sp>
         <p:nvSpPr>
-          <p:cNvPr id="402143406" name="Text">
-    </p:cNvPr>
-          <p:cNvSpPr>
-            <a:spLocks noGrp="1"/>
-          </p:cNvSpPr>
-          <p:nvPr/>
-        </p:nvSpPr>
-        <p:spPr>
-          <a:xfrm rot="0">
-            <a:off x="5549900" y="4572000"/>
-            <a:ext cx="800100" cy="800100"/>
+          <p:cNvPr id="1272217801" name="Text">
+    </p:cNvPr>
+          <p:cNvSpPr>
+            <a:spLocks noGrp="1"/>
+          </p:cNvSpPr>
+          <p:nvPr/>
+        </p:nvSpPr>
+        <p:spPr>
+          <a:xfrm rot="0">
+            <a:off x="5549900" y="4622800"/>
+            <a:ext cx="571500" cy="800100"/>
           </a:xfrm>
           <a:prstGeom prst="rect">
             <a:avLst/>
@@ -2723,7 +2723,7 @@
       </p:sp>
       <p:sp>
         <p:nvSpPr>
-          <p:cNvPr id="1953595689" name="Frame"/>
+          <p:cNvPr id="1058169102" name="Frame"/>
           <p:cNvSpPr>
             <a:spLocks noGrp="1"/>
           </p:cNvSpPr>
@@ -2731,7 +2731,7 @@
         </p:nvSpPr>
         <p:spPr>
           <a:xfrm>
-            <a:off x="152400" y="1485900"/>
+            <a:off x="152400" y="1536700"/>
             <a:ext cx="9842500" cy="1638300"/>
           </a:xfrm>
           <a:prstGeom prst="rect">
@@ -2748,17 +2748,17 @@
       </p:sp>
       <p:sp>
         <p:nvSpPr>
-          <p:cNvPr id="34486687" name="Text">
-    </p:cNvPr>
-          <p:cNvSpPr>
-            <a:spLocks noGrp="1"/>
-          </p:cNvSpPr>
-          <p:nvPr/>
-        </p:nvSpPr>
-        <p:spPr>
-          <a:xfrm rot="0">
-            <a:off x="152400" y="1485900"/>
-            <a:ext cx="749300" cy="787400"/>
+          <p:cNvPr id="1823921503" name="Text">
+    </p:cNvPr>
+          <p:cNvSpPr>
+            <a:spLocks noGrp="1"/>
+          </p:cNvSpPr>
+          <p:nvPr/>
+        </p:nvSpPr>
+        <p:spPr>
+          <a:xfrm rot="0">
+            <a:off x="152400" y="1536700"/>
+            <a:ext cx="736600" cy="787400"/>
           </a:xfrm>
           <a:prstGeom prst="rect">
             <a:avLst/>
@@ -2800,16 +2800,16 @@
       </p:sp>
       <p:sp>
         <p:nvSpPr>
-          <p:cNvPr id="22313071" name="Text">
-    </p:cNvPr>
-          <p:cNvSpPr>
-            <a:spLocks noGrp="1"/>
-          </p:cNvSpPr>
-          <p:nvPr/>
-        </p:nvSpPr>
-        <p:spPr>
-          <a:xfrm rot="0">
-            <a:off x="1028700" y="1562100"/>
+          <p:cNvPr id="1703013265" name="Text">
+    </p:cNvPr>
+          <p:cNvSpPr>
+            <a:spLocks noGrp="1"/>
+          </p:cNvSpPr>
+          <p:nvPr/>
+        </p:nvSpPr>
+        <p:spPr>
+          <a:xfrm rot="0">
+            <a:off x="1016000" y="1612900"/>
             <a:ext cx="4521200" cy="749300"/>
           </a:xfrm>
           <a:prstGeom prst="rect">
@@ -2882,16 +2882,16 @@
       </p:sp>
       <p:sp>
         <p:nvSpPr>
-          <p:cNvPr id="1472138659" name="Text">
-    </p:cNvPr>
-          <p:cNvSpPr>
-            <a:spLocks noGrp="1"/>
-          </p:cNvSpPr>
-          <p:nvPr/>
-        </p:nvSpPr>
-        <p:spPr>
-          <a:xfrm rot="0">
-            <a:off x="7442200" y="1562100"/>
+          <p:cNvPr id="171765024" name="Text">
+    </p:cNvPr>
+          <p:cNvSpPr>
+            <a:spLocks noGrp="1"/>
+          </p:cNvSpPr>
+          <p:nvPr/>
+        </p:nvSpPr>
+        <p:spPr>
+          <a:xfrm rot="0">
+            <a:off x="7226300" y="1612900"/>
             <a:ext cx="2552700" cy="711200"/>
           </a:xfrm>
           <a:prstGeom prst="rect">
@@ -2920,16 +2920,16 @@
       </p:sp>
       <p:sp>
         <p:nvSpPr>
-          <p:cNvPr id="792700596" name="Text">
-    </p:cNvPr>
-          <p:cNvSpPr>
-            <a:spLocks noGrp="1"/>
-          </p:cNvSpPr>
-          <p:nvPr/>
-        </p:nvSpPr>
-        <p:spPr>
-          <a:xfrm rot="0">
-            <a:off x="6324600" y="1485900"/>
+          <p:cNvPr id="646641528" name="Text">
+    </p:cNvPr>
+          <p:cNvSpPr>
+            <a:spLocks noGrp="1"/>
+          </p:cNvSpPr>
+          <p:nvPr/>
+        </p:nvSpPr>
+        <p:spPr>
+          <a:xfrm rot="0">
+            <a:off x="6108700" y="1536700"/>
             <a:ext cx="762000" cy="787400"/>
           </a:xfrm>
           <a:prstGeom prst="rect">
@@ -2972,17 +2972,17 @@
       </p:sp>
       <p:sp>
         <p:nvSpPr>
-          <p:cNvPr id="1544462349" name="Text">
-    </p:cNvPr>
-          <p:cNvSpPr>
-            <a:spLocks noGrp="1"/>
-          </p:cNvSpPr>
-          <p:nvPr/>
-        </p:nvSpPr>
-        <p:spPr>
-          <a:xfrm rot="0">
-            <a:off x="5549900" y="1562100"/>
-            <a:ext cx="774700" cy="749300"/>
+          <p:cNvPr id="2093794011" name="Text">
+    </p:cNvPr>
+          <p:cNvSpPr>
+            <a:spLocks noGrp="1"/>
+          </p:cNvSpPr>
+          <p:nvPr/>
+        </p:nvSpPr>
+        <p:spPr>
+          <a:xfrm rot="0">
+            <a:off x="5537200" y="1612900"/>
+            <a:ext cx="571500" cy="749300"/>
           </a:xfrm>
           <a:prstGeom prst="rect">
             <a:avLst/>
@@ -3046,16 +3046,16 @@
       </p:sp>
       <p:sp>
         <p:nvSpPr>
-          <p:cNvPr id="2117807331" name="Text">
-    </p:cNvPr>
-          <p:cNvSpPr>
-            <a:spLocks noGrp="1"/>
-          </p:cNvSpPr>
-          <p:nvPr/>
-        </p:nvSpPr>
-        <p:spPr>
-          <a:xfrm rot="0">
-            <a:off x="901700" y="1485900"/>
+          <p:cNvPr id="385577904" name="Text">
+    </p:cNvPr>
+          <p:cNvSpPr>
+            <a:spLocks noGrp="1"/>
+          </p:cNvSpPr>
+          <p:nvPr/>
+        </p:nvSpPr>
+        <p:spPr>
+          <a:xfrm rot="0">
+            <a:off x="889000" y="1536700"/>
             <a:ext cx="4648200" cy="787400"/>
           </a:xfrm>
           <a:prstGeom prst="rect">
@@ -3098,16 +3098,16 @@
       </p:sp>
       <p:sp>
         <p:nvSpPr>
-          <p:cNvPr id="1371989138" name="Text">
-    </p:cNvPr>
-          <p:cNvSpPr>
-            <a:spLocks noGrp="1"/>
-          </p:cNvSpPr>
-          <p:nvPr/>
-        </p:nvSpPr>
-        <p:spPr>
-          <a:xfrm rot="0">
-            <a:off x="7340600" y="1485900"/>
+          <p:cNvPr id="2076432802" name="Text">
+    </p:cNvPr>
+          <p:cNvSpPr>
+            <a:spLocks noGrp="1"/>
+          </p:cNvSpPr>
+          <p:nvPr/>
+        </p:nvSpPr>
+        <p:spPr>
+          <a:xfrm rot="0">
+            <a:off x="7124700" y="1536700"/>
             <a:ext cx="2654300" cy="787400"/>
           </a:xfrm>
           <a:prstGeom prst="rect">
@@ -3150,17 +3150,17 @@
       </p:sp>
       <p:sp>
         <p:nvSpPr>
-          <p:cNvPr id="52355608" name="Text">
-    </p:cNvPr>
-          <p:cNvSpPr>
-            <a:spLocks noGrp="1"/>
-          </p:cNvSpPr>
-          <p:nvPr/>
-        </p:nvSpPr>
-        <p:spPr>
-          <a:xfrm rot="0">
-            <a:off x="5549900" y="1485900"/>
-            <a:ext cx="774700" cy="787400"/>
+          <p:cNvPr id="176406677" name="Text">
+    </p:cNvPr>
+          <p:cNvSpPr>
+            <a:spLocks noGrp="1"/>
+          </p:cNvSpPr>
+          <p:nvPr/>
+        </p:nvSpPr>
+        <p:spPr>
+          <a:xfrm rot="0">
+            <a:off x="5537200" y="1536700"/>
+            <a:ext cx="571500" cy="787400"/>
           </a:xfrm>
           <a:prstGeom prst="rect">
             <a:avLst/>
@@ -3202,17 +3202,17 @@
       </p:sp>
       <p:sp>
         <p:nvSpPr>
-          <p:cNvPr id="716780734" name="Text">
-    </p:cNvPr>
-          <p:cNvSpPr>
-            <a:spLocks noGrp="1"/>
-          </p:cNvSpPr>
-          <p:nvPr/>
-        </p:nvSpPr>
-        <p:spPr>
-          <a:xfrm rot="0">
-            <a:off x="152400" y="2273300"/>
-            <a:ext cx="749300" cy="812800"/>
+          <p:cNvPr id="272830724" name="Text">
+    </p:cNvPr>
+          <p:cNvSpPr>
+            <a:spLocks noGrp="1"/>
+          </p:cNvSpPr>
+          <p:nvPr/>
+        </p:nvSpPr>
+        <p:spPr>
+          <a:xfrm rot="0">
+            <a:off x="152400" y="2324100"/>
+            <a:ext cx="736600" cy="812800"/>
           </a:xfrm>
           <a:prstGeom prst="rect">
             <a:avLst/>
@@ -3254,16 +3254,16 @@
       </p:sp>
       <p:sp>
         <p:nvSpPr>
-          <p:cNvPr id="222452030" name="Text">
-    </p:cNvPr>
-          <p:cNvSpPr>
-            <a:spLocks noGrp="1"/>
-          </p:cNvSpPr>
-          <p:nvPr/>
-        </p:nvSpPr>
-        <p:spPr>
-          <a:xfrm rot="0">
-            <a:off x="1028700" y="2324100"/>
+          <p:cNvPr id="1567135311" name="Text">
+    </p:cNvPr>
+          <p:cNvSpPr>
+            <a:spLocks noGrp="1"/>
+          </p:cNvSpPr>
+          <p:nvPr/>
+        </p:nvSpPr>
+        <p:spPr>
+          <a:xfrm rot="0">
+            <a:off x="1016000" y="2374900"/>
             <a:ext cx="4521200" cy="762000"/>
           </a:xfrm>
           <a:prstGeom prst="rect">
@@ -3327,16 +3327,16 @@
       </p:sp>
       <p:sp>
         <p:nvSpPr>
-          <p:cNvPr id="1808195184" name="Text">
-    </p:cNvPr>
-          <p:cNvSpPr>
-            <a:spLocks noGrp="1"/>
-          </p:cNvSpPr>
-          <p:nvPr/>
-        </p:nvSpPr>
-        <p:spPr>
-          <a:xfrm rot="0">
-            <a:off x="7442200" y="2324100"/>
+          <p:cNvPr id="948128393" name="Text">
+    </p:cNvPr>
+          <p:cNvSpPr>
+            <a:spLocks noGrp="1"/>
+          </p:cNvSpPr>
+          <p:nvPr/>
+        </p:nvSpPr>
+        <p:spPr>
+          <a:xfrm rot="0">
+            <a:off x="7226300" y="2374900"/>
             <a:ext cx="2552700" cy="762000"/>
           </a:xfrm>
           <a:prstGeom prst="rect">
@@ -3365,16 +3365,16 @@
       </p:sp>
       <p:sp>
         <p:nvSpPr>
-          <p:cNvPr id="532475698" name="Text">
-    </p:cNvPr>
-          <p:cNvSpPr>
-            <a:spLocks noGrp="1"/>
-          </p:cNvSpPr>
-          <p:nvPr/>
-        </p:nvSpPr>
-        <p:spPr>
-          <a:xfrm rot="0">
-            <a:off x="6324600" y="2273300"/>
+          <p:cNvPr id="747676260" name="Text">
+    </p:cNvPr>
+          <p:cNvSpPr>
+            <a:spLocks noGrp="1"/>
+          </p:cNvSpPr>
+          <p:nvPr/>
+        </p:nvSpPr>
+        <p:spPr>
+          <a:xfrm rot="0">
+            <a:off x="6108700" y="2324100"/>
             <a:ext cx="762000" cy="812800"/>
           </a:xfrm>
           <a:prstGeom prst="rect">
@@ -3417,17 +3417,17 @@
       </p:sp>
       <p:sp>
         <p:nvSpPr>
-          <p:cNvPr id="2084775103" name="Text">
-    </p:cNvPr>
-          <p:cNvSpPr>
-            <a:spLocks noGrp="1"/>
-          </p:cNvSpPr>
-          <p:nvPr/>
-        </p:nvSpPr>
-        <p:spPr>
-          <a:xfrm rot="0">
-            <a:off x="5549900" y="2324100"/>
-            <a:ext cx="774700" cy="762000"/>
+          <p:cNvPr id="617827779" name="Text">
+    </p:cNvPr>
+          <p:cNvSpPr>
+            <a:spLocks noGrp="1"/>
+          </p:cNvSpPr>
+          <p:nvPr/>
+        </p:nvSpPr>
+        <p:spPr>
+          <a:xfrm rot="0">
+            <a:off x="5537200" y="2374900"/>
+            <a:ext cx="571500" cy="762000"/>
           </a:xfrm>
           <a:prstGeom prst="rect">
             <a:avLst/>
@@ -3490,16 +3490,16 @@
       </p:sp>
       <p:sp>
         <p:nvSpPr>
-          <p:cNvPr id="1666648480" name="Text">
-    </p:cNvPr>
-          <p:cNvSpPr>
-            <a:spLocks noGrp="1"/>
-          </p:cNvSpPr>
-          <p:nvPr/>
-        </p:nvSpPr>
-        <p:spPr>
-          <a:xfrm rot="0">
-            <a:off x="901700" y="2273300"/>
+          <p:cNvPr id="1032879608" name="Text">
+    </p:cNvPr>
+          <p:cNvSpPr>
+            <a:spLocks noGrp="1"/>
+          </p:cNvSpPr>
+          <p:nvPr/>
+        </p:nvSpPr>
+        <p:spPr>
+          <a:xfrm rot="0">
+            <a:off x="889000" y="2324100"/>
             <a:ext cx="4648200" cy="812800"/>
           </a:xfrm>
           <a:prstGeom prst="rect">
@@ -3542,16 +3542,16 @@
       </p:sp>
       <p:sp>
         <p:nvSpPr>
-          <p:cNvPr id="1052737252" name="Text">
-    </p:cNvPr>
-          <p:cNvSpPr>
-            <a:spLocks noGrp="1"/>
-          </p:cNvSpPr>
-          <p:nvPr/>
-        </p:nvSpPr>
-        <p:spPr>
-          <a:xfrm rot="0">
-            <a:off x="7340600" y="2273300"/>
+          <p:cNvPr id="526761921" name="Text">
+    </p:cNvPr>
+          <p:cNvSpPr>
+            <a:spLocks noGrp="1"/>
+          </p:cNvSpPr>
+          <p:nvPr/>
+        </p:nvSpPr>
+        <p:spPr>
+          <a:xfrm rot="0">
+            <a:off x="7124700" y="2324100"/>
             <a:ext cx="2654300" cy="812800"/>
           </a:xfrm>
           <a:prstGeom prst="rect">
@@ -3594,17 +3594,17 @@
       </p:sp>
       <p:sp>
         <p:nvSpPr>
-          <p:cNvPr id="1174586238" name="Text">
-    </p:cNvPr>
-          <p:cNvSpPr>
-            <a:spLocks noGrp="1"/>
-          </p:cNvSpPr>
-          <p:nvPr/>
-        </p:nvSpPr>
-        <p:spPr>
-          <a:xfrm rot="0">
-            <a:off x="5549900" y="2273300"/>
-            <a:ext cx="774700" cy="812800"/>
+          <p:cNvPr id="919580107" name="Text">
+    </p:cNvPr>
+          <p:cNvSpPr>
+            <a:spLocks noGrp="1"/>
+          </p:cNvSpPr>
+          <p:nvPr/>
+        </p:nvSpPr>
+        <p:spPr>
+          <a:xfrm rot="0">
+            <a:off x="5537200" y="2324100"/>
+            <a:ext cx="571500" cy="812800"/>
           </a:xfrm>
           <a:prstGeom prst="rect">
             <a:avLst/>
@@ -3646,7 +3646,7 @@
       </p:sp>
       <p:sp>
         <p:nvSpPr>
-          <p:cNvPr id="587297245" name="Rectangle"/>
+          <p:cNvPr id="147608452" name="Rectangle"/>
           <p:cNvSpPr>
             <a:spLocks noGrp="1"/>
           </p:cNvSpPr>
@@ -3654,7 +3654,7 @@
         </p:nvSpPr>
         <p:spPr>
           <a:xfrm>
-            <a:off x="7086600" y="2273300"/>
+            <a:off x="6870700" y="2324100"/>
             <a:ext cx="254000" cy="812800"/>
           </a:xfrm>
           <a:prstGeom prst="rect">
